--- a/graphAlgorithms/lp/figs.pptx
+++ b/graphAlgorithms/lp/figs.pptx
@@ -1407,6 +1407,14 @@
 <file path=ppt/slideLayouts/slideLayout13.xml><?xml version="1.0" encoding="utf-8"?>
 <p:sldLayout xmlns:a="http://schemas.openxmlformats.org/drawingml/2006/main" xmlns:r="http://schemas.openxmlformats.org/officeDocument/2006/relationships" xmlns:p="http://schemas.openxmlformats.org/presentationml/2006/main" type="obj" preserve="1">
   <p:cSld name="Title and Content">
+    <p:bg>
+      <p:bgPr>
+        <a:solidFill>
+          <a:srgbClr val="FFFFE0"/>
+        </a:solidFill>
+        <a:effectLst/>
+      </p:bgPr>
+    </p:bg>
     <p:spTree>
       <p:nvGrpSpPr>
         <p:cNvPr id="1" name=""/>
@@ -16705,7 +16713,7 @@
               <a:avLst/>
             </a:prstGeom>
             <a:solidFill>
-              <a:schemeClr val="bg1"/>
+              <a:srgbClr val="FFFFE0"/>
             </a:solidFill>
           </p:spPr>
           <p:txBody>
@@ -16738,7 +16746,7 @@
               <a:avLst/>
             </a:prstGeom>
             <a:solidFill>
-              <a:schemeClr val="bg1"/>
+              <a:srgbClr val="FFFFE0"/>
             </a:solidFill>
           </p:spPr>
           <p:txBody>
@@ -16771,7 +16779,7 @@
               <a:avLst/>
             </a:prstGeom>
             <a:solidFill>
-              <a:schemeClr val="bg1"/>
+              <a:srgbClr val="FFFFE0"/>
             </a:solidFill>
           </p:spPr>
           <p:txBody>
@@ -16804,7 +16812,7 @@
               <a:avLst/>
             </a:prstGeom>
             <a:solidFill>
-              <a:schemeClr val="bg1"/>
+              <a:srgbClr val="FFFFE0"/>
             </a:solidFill>
           </p:spPr>
           <p:txBody>
@@ -16837,7 +16845,7 @@
               <a:avLst/>
             </a:prstGeom>
             <a:solidFill>
-              <a:schemeClr val="bg1"/>
+              <a:srgbClr val="FFFFE0"/>
             </a:solidFill>
           </p:spPr>
           <p:txBody>
